--- a/Effective Java Notes/CH01_03_Singelton.pptx
+++ b/Effective Java Notes/CH01_03_Singelton.pptx
@@ -13,8 +13,9 @@
     <p:sldId id="260" r:id="rId8"/>
     <p:sldId id="267" r:id="rId9"/>
     <p:sldId id="268" r:id="rId10"/>
-    <p:sldId id="265" r:id="rId11"/>
-    <p:sldId id="269" r:id="rId12"/>
+    <p:sldId id="273" r:id="rId11"/>
+    <p:sldId id="265" r:id="rId12"/>
+    <p:sldId id="269" r:id="rId13"/>
   </p:sldIdLst>
   <p:sldSz cx="12192000" cy="6858000"/>
   <p:notesSz cx="6858000" cy="9144000"/>
@@ -2993,6 +2994,127 @@
         </p:nvSpPr>
         <p:spPr/>
         <p:txBody>
+          <a:bodyPr>
+            <a:normAutofit fontScale="90000"/>
+          </a:bodyPr>
+          <a:p>
+            <a:r>
+              <a:rPr lang="en-US">
+                <a:sym typeface="+mn-ea"/>
+              </a:rPr>
+              <a:t>Why to create a singelton class?</a:t>
+            </a:r>
+            <a:br>
+              <a:rPr lang="en-US"/>
+            </a:br>
+            <a:endParaRPr lang="en-US"/>
+          </a:p>
+        </p:txBody>
+      </p:sp>
+      <p:sp>
+        <p:nvSpPr>
+          <p:cNvPr id="3" name="Content Placeholder 2"/>
+          <p:cNvSpPr>
+            <a:spLocks noGrp="1"/>
+          </p:cNvSpPr>
+          <p:nvPr>
+            <p:ph idx="1"/>
+          </p:nvPr>
+        </p:nvSpPr>
+        <p:spPr>
+          <a:xfrm>
+            <a:off x="838200" y="1825625"/>
+            <a:ext cx="10515600" cy="5032375"/>
+          </a:xfrm>
+        </p:spPr>
+        <p:txBody>
+          <a:bodyPr>
+            <a:normAutofit/>
+          </a:bodyPr>
+          <a:p>
+            <a:r>
+              <a:rPr lang="en-US"/>
+              <a:t>Resource Sharing:</a:t>
+            </a:r>
+            <a:endParaRPr lang="en-US"/>
+          </a:p>
+          <a:p>
+            <a:r>
+              <a:rPr lang="en-US"/>
+              <a:t>Global Access</a:t>
+            </a:r>
+            <a:endParaRPr lang="en-US"/>
+          </a:p>
+          <a:p>
+            <a:r>
+              <a:rPr lang="en-US"/>
+              <a:t>Memory Efficiency: </a:t>
+            </a:r>
+            <a:endParaRPr lang="en-US"/>
+          </a:p>
+          <a:p>
+            <a:endParaRPr lang="en-US"/>
+          </a:p>
+          <a:p>
+            <a:r>
+              <a:rPr lang="en-US" b="1"/>
+              <a:t>Drawbacks of using singleton patterns:</a:t>
+            </a:r>
+            <a:endParaRPr lang="en-US" b="1"/>
+          </a:p>
+          <a:p>
+            <a:r>
+              <a:rPr lang="en-US" sz="2200"/>
+              <a:t>Global State:=tight coupling</a:t>
+            </a:r>
+            <a:endParaRPr lang="en-US" sz="2200"/>
+          </a:p>
+          <a:p>
+            <a:r>
+              <a:rPr lang="en-US" sz="2200"/>
+              <a:t>Concurrency Challenges:</a:t>
+            </a:r>
+            <a:endParaRPr lang="en-US" sz="2200"/>
+          </a:p>
+          <a:p>
+            <a:r>
+              <a:rPr lang="en-US" sz="2200"/>
+              <a:t>Dependency Injection vs. Singletons: In modern software design, dependency injection is often favored over singletons as it allows better control of object creation, improves testability, and reduces tight coupling.</a:t>
+            </a:r>
+            <a:endParaRPr lang="en-US" sz="2200"/>
+          </a:p>
+        </p:txBody>
+      </p:sp>
+    </p:spTree>
+  </p:cSld>
+  <p:clrMapOvr>
+    <a:masterClrMapping/>
+  </p:clrMapOvr>
+</p:sld>
+</file>
+
+<file path=ppt/slides/slide11.xml><?xml version="1.0" encoding="utf-8"?>
+<p:sld xmlns:a="http://schemas.openxmlformats.org/drawingml/2006/main" xmlns:r="http://schemas.openxmlformats.org/officeDocument/2006/relationships" xmlns:p="http://schemas.openxmlformats.org/presentationml/2006/main">
+  <p:cSld>
+    <p:spTree>
+      <p:nvGrpSpPr>
+        <p:cNvPr id="1" name=""/>
+        <p:cNvGrpSpPr/>
+        <p:nvPr/>
+      </p:nvGrpSpPr>
+      <p:grpSpPr/>
+      <p:sp>
+        <p:nvSpPr>
+          <p:cNvPr id="2" name="Title 1"/>
+          <p:cNvSpPr>
+            <a:spLocks noGrp="1"/>
+          </p:cNvSpPr>
+          <p:nvPr>
+            <p:ph type="title"/>
+          </p:nvPr>
+        </p:nvSpPr>
+        <p:spPr/>
+        <p:txBody>
           <a:bodyPr/>
           <a:p>
             <a:r>
@@ -3795,97 +3917,42 @@
         </p:nvSpPr>
         <p:spPr/>
         <p:txBody>
-          <a:bodyPr>
-            <a:normAutofit fontScale="90000"/>
-          </a:bodyPr>
-          <a:p>
-            <a:r>
-              <a:rPr lang="en-US">
-                <a:sym typeface="+mn-ea"/>
-              </a:rPr>
-              <a:t>Why to create a singelton class?</a:t>
-            </a:r>
-            <a:br>
-              <a:rPr lang="en-US"/>
-            </a:br>
-            <a:endParaRPr lang="en-US"/>
-          </a:p>
-        </p:txBody>
-      </p:sp>
-      <p:sp>
-        <p:nvSpPr>
-          <p:cNvPr id="3" name="Content Placeholder 2"/>
-          <p:cNvSpPr>
-            <a:spLocks noGrp="1"/>
-          </p:cNvSpPr>
+          <a:bodyPr/>
+          <a:p>
+            <a:r>
+              <a:rPr lang="en-US"/>
+              <a:t>ReadResolve method</a:t>
+            </a:r>
+            <a:endParaRPr lang="en-US"/>
+          </a:p>
+        </p:txBody>
+      </p:sp>
+      <p:pic>
+        <p:nvPicPr>
+          <p:cNvPr id="4" name="Content Placeholder 3"/>
+          <p:cNvPicPr>
+            <a:picLocks noChangeAspect="1"/>
+          </p:cNvPicPr>
           <p:nvPr>
             <p:ph idx="1"/>
           </p:nvPr>
-        </p:nvSpPr>
+        </p:nvPicPr>
+        <p:blipFill>
+          <a:blip r:embed="rId1"/>
+          <a:stretch>
+            <a:fillRect/>
+          </a:stretch>
+        </p:blipFill>
         <p:spPr>
           <a:xfrm>
-            <a:off x="838200" y="1825625"/>
-            <a:ext cx="10515600" cy="5032375"/>
+            <a:off x="2574290" y="1691005"/>
+            <a:ext cx="6344920" cy="5166995"/>
           </a:xfrm>
+          <a:prstGeom prst="rect">
+            <a:avLst/>
+          </a:prstGeom>
         </p:spPr>
-        <p:txBody>
-          <a:bodyPr>
-            <a:normAutofit/>
-          </a:bodyPr>
-          <a:p>
-            <a:r>
-              <a:rPr lang="en-US"/>
-              <a:t>Resource Sharing:</a:t>
-            </a:r>
-            <a:endParaRPr lang="en-US"/>
-          </a:p>
-          <a:p>
-            <a:r>
-              <a:rPr lang="en-US"/>
-              <a:t>Global Access</a:t>
-            </a:r>
-            <a:endParaRPr lang="en-US"/>
-          </a:p>
-          <a:p>
-            <a:r>
-              <a:rPr lang="en-US"/>
-              <a:t>Memory Efficiency: </a:t>
-            </a:r>
-            <a:endParaRPr lang="en-US"/>
-          </a:p>
-          <a:p>
-            <a:endParaRPr lang="en-US"/>
-          </a:p>
-          <a:p>
-            <a:r>
-              <a:rPr lang="en-US" b="1"/>
-              <a:t>Drawbacks of using singleton patterns:</a:t>
-            </a:r>
-            <a:endParaRPr lang="en-US" b="1"/>
-          </a:p>
-          <a:p>
-            <a:r>
-              <a:rPr lang="en-US" sz="2200"/>
-              <a:t>Global State:=tight coupling</a:t>
-            </a:r>
-            <a:endParaRPr lang="en-US" sz="2200"/>
-          </a:p>
-          <a:p>
-            <a:r>
-              <a:rPr lang="en-US" sz="2200"/>
-              <a:t>Concurrency Challenges:</a:t>
-            </a:r>
-            <a:endParaRPr lang="en-US" sz="2200"/>
-          </a:p>
-          <a:p>
-            <a:r>
-              <a:rPr lang="en-US" sz="2200"/>
-              <a:t>Dependency Injection vs. Singletons: In modern software design, dependency injection is often favored over singletons as it allows better control of object creation, improves testability, and reduces tight coupling.</a:t>
-            </a:r>
-            <a:endParaRPr lang="en-US" sz="2200"/>
-          </a:p>
-        </p:txBody>
-      </p:sp>
+      </p:pic>
     </p:spTree>
   </p:cSld>
   <p:clrMapOvr>
